--- a/2. Node JS Fundamental/Presentation Slides/11 Node js MongoDB Atlas.pptx
+++ b/2. Node JS Fundamental/Presentation Slides/11 Node js MongoDB Atlas.pptx
@@ -122,6 +122,22 @@
       </a:defRPr>
     </a:lvl9pPr>
   </p:defaultTextStyle>
+  <p:extLst>
+    <p:ext uri="{EFAFB233-063F-42B5-8137-9DF3F51BA10A}">
+      <p15:sldGuideLst xmlns:p15="http://schemas.microsoft.com/office/powerpoint/2012/main">
+        <p15:guide id="1" orient="horz" pos="1620">
+          <p15:clr>
+            <a:srgbClr val="A4A3A4"/>
+          </p15:clr>
+        </p15:guide>
+        <p15:guide id="2" pos="2880">
+          <p15:clr>
+            <a:srgbClr val="A4A3A4"/>
+          </p15:clr>
+        </p15:guide>
+      </p15:sldGuideLst>
+    </p:ext>
+  </p:extLst>
 </p:presentation>
 </file>
 
@@ -163,10 +179,9 @@
           <a:lstStyle/>
           <a:p>
             <a:r>
-              <a:rPr lang="en-US" smtClean="0"/>
+              <a:rPr lang="en-US"/>
               <a:t>Click to edit Master title style</a:t>
             </a:r>
-            <a:endParaRPr lang="en-US"/>
           </a:p>
         </p:txBody>
       </p:sp>
@@ -282,10 +297,9 @@
           </a:lstStyle>
           <a:p>
             <a:r>
-              <a:rPr lang="en-US" smtClean="0"/>
+              <a:rPr lang="en-US"/>
               <a:t>Click to edit Master subtitle style</a:t>
             </a:r>
-            <a:endParaRPr lang="en-US"/>
           </a:p>
         </p:txBody>
       </p:sp>
@@ -307,7 +321,7 @@
             <a:fld id="{1D8BD707-D9CF-40AE-B4C6-C98DA3205C09}" type="datetimeFigureOut">
               <a:rPr lang="en-US" smtClean="0"/>
               <a:pPr/>
-              <a:t>10/24/2020</a:t>
+              <a:t>Sat</a:t>
             </a:fld>
             <a:endParaRPr lang="en-US"/>
           </a:p>
@@ -397,10 +411,9 @@
           <a:lstStyle/>
           <a:p>
             <a:r>
-              <a:rPr lang="en-US" smtClean="0"/>
+              <a:rPr lang="en-US"/>
               <a:t>Click to edit Master title style</a:t>
             </a:r>
-            <a:endParaRPr lang="en-US"/>
           </a:p>
         </p:txBody>
       </p:sp>
@@ -421,38 +434,37 @@
           <a:p>
             <a:pPr lvl="0"/>
             <a:r>
-              <a:rPr lang="en-US" smtClean="0"/>
+              <a:rPr lang="en-US"/>
               <a:t>Click to edit Master text styles</a:t>
             </a:r>
           </a:p>
           <a:p>
             <a:pPr lvl="1"/>
             <a:r>
-              <a:rPr lang="en-US" smtClean="0"/>
+              <a:rPr lang="en-US"/>
               <a:t>Second level</a:t>
             </a:r>
           </a:p>
           <a:p>
             <a:pPr lvl="2"/>
             <a:r>
-              <a:rPr lang="en-US" smtClean="0"/>
+              <a:rPr lang="en-US"/>
               <a:t>Third level</a:t>
             </a:r>
           </a:p>
           <a:p>
             <a:pPr lvl="3"/>
             <a:r>
-              <a:rPr lang="en-US" smtClean="0"/>
+              <a:rPr lang="en-US"/>
               <a:t>Fourth level</a:t>
             </a:r>
           </a:p>
           <a:p>
             <a:pPr lvl="4"/>
             <a:r>
-              <a:rPr lang="en-US" smtClean="0"/>
+              <a:rPr lang="en-US"/>
               <a:t>Fifth level</a:t>
             </a:r>
-            <a:endParaRPr lang="en-US"/>
           </a:p>
         </p:txBody>
       </p:sp>
@@ -474,7 +486,7 @@
             <a:fld id="{1D8BD707-D9CF-40AE-B4C6-C98DA3205C09}" type="datetimeFigureOut">
               <a:rPr lang="en-US" smtClean="0"/>
               <a:pPr/>
-              <a:t>10/24/2020</a:t>
+              <a:t>Sat</a:t>
             </a:fld>
             <a:endParaRPr lang="en-US"/>
           </a:p>
@@ -569,10 +581,9 @@
           <a:lstStyle/>
           <a:p>
             <a:r>
-              <a:rPr lang="en-US" smtClean="0"/>
+              <a:rPr lang="en-US"/>
               <a:t>Click to edit Master title style</a:t>
             </a:r>
-            <a:endParaRPr lang="en-US"/>
           </a:p>
         </p:txBody>
       </p:sp>
@@ -598,38 +609,37 @@
           <a:p>
             <a:pPr lvl="0"/>
             <a:r>
-              <a:rPr lang="en-US" smtClean="0"/>
+              <a:rPr lang="en-US"/>
               <a:t>Click to edit Master text styles</a:t>
             </a:r>
           </a:p>
           <a:p>
             <a:pPr lvl="1"/>
             <a:r>
-              <a:rPr lang="en-US" smtClean="0"/>
+              <a:rPr lang="en-US"/>
               <a:t>Second level</a:t>
             </a:r>
           </a:p>
           <a:p>
             <a:pPr lvl="2"/>
             <a:r>
-              <a:rPr lang="en-US" smtClean="0"/>
+              <a:rPr lang="en-US"/>
               <a:t>Third level</a:t>
             </a:r>
           </a:p>
           <a:p>
             <a:pPr lvl="3"/>
             <a:r>
-              <a:rPr lang="en-US" smtClean="0"/>
+              <a:rPr lang="en-US"/>
               <a:t>Fourth level</a:t>
             </a:r>
           </a:p>
           <a:p>
             <a:pPr lvl="4"/>
             <a:r>
-              <a:rPr lang="en-US" smtClean="0"/>
+              <a:rPr lang="en-US"/>
               <a:t>Fifth level</a:t>
             </a:r>
-            <a:endParaRPr lang="en-US"/>
           </a:p>
         </p:txBody>
       </p:sp>
@@ -651,7 +661,7 @@
             <a:fld id="{1D8BD707-D9CF-40AE-B4C6-C98DA3205C09}" type="datetimeFigureOut">
               <a:rPr lang="en-US" smtClean="0"/>
               <a:pPr/>
-              <a:t>10/24/2020</a:t>
+              <a:t>Sat</a:t>
             </a:fld>
             <a:endParaRPr lang="en-US"/>
           </a:p>
@@ -741,10 +751,9 @@
           <a:lstStyle/>
           <a:p>
             <a:r>
-              <a:rPr lang="en-US" smtClean="0"/>
+              <a:rPr lang="en-US"/>
               <a:t>Click to edit Master title style</a:t>
             </a:r>
-            <a:endParaRPr lang="en-US"/>
           </a:p>
         </p:txBody>
       </p:sp>
@@ -765,38 +774,37 @@
           <a:p>
             <a:pPr lvl="0"/>
             <a:r>
-              <a:rPr lang="en-US" smtClean="0"/>
+              <a:rPr lang="en-US"/>
               <a:t>Click to edit Master text styles</a:t>
             </a:r>
           </a:p>
           <a:p>
             <a:pPr lvl="1"/>
             <a:r>
-              <a:rPr lang="en-US" smtClean="0"/>
+              <a:rPr lang="en-US"/>
               <a:t>Second level</a:t>
             </a:r>
           </a:p>
           <a:p>
             <a:pPr lvl="2"/>
             <a:r>
-              <a:rPr lang="en-US" smtClean="0"/>
+              <a:rPr lang="en-US"/>
               <a:t>Third level</a:t>
             </a:r>
           </a:p>
           <a:p>
             <a:pPr lvl="3"/>
             <a:r>
-              <a:rPr lang="en-US" smtClean="0"/>
+              <a:rPr lang="en-US"/>
               <a:t>Fourth level</a:t>
             </a:r>
           </a:p>
           <a:p>
             <a:pPr lvl="4"/>
             <a:r>
-              <a:rPr lang="en-US" smtClean="0"/>
+              <a:rPr lang="en-US"/>
               <a:t>Fifth level</a:t>
             </a:r>
-            <a:endParaRPr lang="en-US"/>
           </a:p>
         </p:txBody>
       </p:sp>
@@ -818,7 +826,7 @@
             <a:fld id="{1D8BD707-D9CF-40AE-B4C6-C98DA3205C09}" type="datetimeFigureOut">
               <a:rPr lang="en-US" smtClean="0"/>
               <a:pPr/>
-              <a:t>10/24/2020</a:t>
+              <a:t>Sat</a:t>
             </a:fld>
             <a:endParaRPr lang="en-US"/>
           </a:p>
@@ -917,10 +925,9 @@
           </a:lstStyle>
           <a:p>
             <a:r>
-              <a:rPr lang="en-US" smtClean="0"/>
+              <a:rPr lang="en-US"/>
               <a:t>Click to edit Master title style</a:t>
             </a:r>
-            <a:endParaRPr lang="en-US"/>
           </a:p>
         </p:txBody>
       </p:sp>
@@ -1037,7 +1044,7 @@
           <a:p>
             <a:pPr lvl="0"/>
             <a:r>
-              <a:rPr lang="en-US" smtClean="0"/>
+              <a:rPr lang="en-US"/>
               <a:t>Click to edit Master text styles</a:t>
             </a:r>
           </a:p>
@@ -1061,7 +1068,7 @@
             <a:fld id="{1D8BD707-D9CF-40AE-B4C6-C98DA3205C09}" type="datetimeFigureOut">
               <a:rPr lang="en-US" smtClean="0"/>
               <a:pPr/>
-              <a:t>10/24/2020</a:t>
+              <a:t>Sat</a:t>
             </a:fld>
             <a:endParaRPr lang="en-US"/>
           </a:p>
@@ -1151,10 +1158,9 @@
           <a:lstStyle/>
           <a:p>
             <a:r>
-              <a:rPr lang="en-US" smtClean="0"/>
+              <a:rPr lang="en-US"/>
               <a:t>Click to edit Master title style</a:t>
             </a:r>
-            <a:endParaRPr lang="en-US"/>
           </a:p>
         </p:txBody>
       </p:sp>
@@ -1208,38 +1214,37 @@
           <a:p>
             <a:pPr lvl="0"/>
             <a:r>
-              <a:rPr lang="en-US" smtClean="0"/>
+              <a:rPr lang="en-US"/>
               <a:t>Click to edit Master text styles</a:t>
             </a:r>
           </a:p>
           <a:p>
             <a:pPr lvl="1"/>
             <a:r>
-              <a:rPr lang="en-US" smtClean="0"/>
+              <a:rPr lang="en-US"/>
               <a:t>Second level</a:t>
             </a:r>
           </a:p>
           <a:p>
             <a:pPr lvl="2"/>
             <a:r>
-              <a:rPr lang="en-US" smtClean="0"/>
+              <a:rPr lang="en-US"/>
               <a:t>Third level</a:t>
             </a:r>
           </a:p>
           <a:p>
             <a:pPr lvl="3"/>
             <a:r>
-              <a:rPr lang="en-US" smtClean="0"/>
+              <a:rPr lang="en-US"/>
               <a:t>Fourth level</a:t>
             </a:r>
           </a:p>
           <a:p>
             <a:pPr lvl="4"/>
             <a:r>
-              <a:rPr lang="en-US" smtClean="0"/>
+              <a:rPr lang="en-US"/>
               <a:t>Fifth level</a:t>
             </a:r>
-            <a:endParaRPr lang="en-US"/>
           </a:p>
         </p:txBody>
       </p:sp>
@@ -1293,38 +1298,37 @@
           <a:p>
             <a:pPr lvl="0"/>
             <a:r>
-              <a:rPr lang="en-US" smtClean="0"/>
+              <a:rPr lang="en-US"/>
               <a:t>Click to edit Master text styles</a:t>
             </a:r>
           </a:p>
           <a:p>
             <a:pPr lvl="1"/>
             <a:r>
-              <a:rPr lang="en-US" smtClean="0"/>
+              <a:rPr lang="en-US"/>
               <a:t>Second level</a:t>
             </a:r>
           </a:p>
           <a:p>
             <a:pPr lvl="2"/>
             <a:r>
-              <a:rPr lang="en-US" smtClean="0"/>
+              <a:rPr lang="en-US"/>
               <a:t>Third level</a:t>
             </a:r>
           </a:p>
           <a:p>
             <a:pPr lvl="3"/>
             <a:r>
-              <a:rPr lang="en-US" smtClean="0"/>
+              <a:rPr lang="en-US"/>
               <a:t>Fourth level</a:t>
             </a:r>
           </a:p>
           <a:p>
             <a:pPr lvl="4"/>
             <a:r>
-              <a:rPr lang="en-US" smtClean="0"/>
+              <a:rPr lang="en-US"/>
               <a:t>Fifth level</a:t>
             </a:r>
-            <a:endParaRPr lang="en-US"/>
           </a:p>
         </p:txBody>
       </p:sp>
@@ -1346,7 +1350,7 @@
             <a:fld id="{1D8BD707-D9CF-40AE-B4C6-C98DA3205C09}" type="datetimeFigureOut">
               <a:rPr lang="en-US" smtClean="0"/>
               <a:pPr/>
-              <a:t>10/24/2020</a:t>
+              <a:t>Sat</a:t>
             </a:fld>
             <a:endParaRPr lang="en-US"/>
           </a:p>
@@ -1440,10 +1444,9 @@
           </a:lstStyle>
           <a:p>
             <a:r>
-              <a:rPr lang="en-US" smtClean="0"/>
+              <a:rPr lang="en-US"/>
               <a:t>Click to edit Master title style</a:t>
             </a:r>
-            <a:endParaRPr lang="en-US"/>
           </a:p>
         </p:txBody>
       </p:sp>
@@ -1506,7 +1509,7 @@
           <a:p>
             <a:pPr lvl="0"/>
             <a:r>
-              <a:rPr lang="en-US" smtClean="0"/>
+              <a:rPr lang="en-US"/>
               <a:t>Click to edit Master text styles</a:t>
             </a:r>
           </a:p>
@@ -1562,38 +1565,37 @@
           <a:p>
             <a:pPr lvl="0"/>
             <a:r>
-              <a:rPr lang="en-US" smtClean="0"/>
+              <a:rPr lang="en-US"/>
               <a:t>Click to edit Master text styles</a:t>
             </a:r>
           </a:p>
           <a:p>
             <a:pPr lvl="1"/>
             <a:r>
-              <a:rPr lang="en-US" smtClean="0"/>
+              <a:rPr lang="en-US"/>
               <a:t>Second level</a:t>
             </a:r>
           </a:p>
           <a:p>
             <a:pPr lvl="2"/>
             <a:r>
-              <a:rPr lang="en-US" smtClean="0"/>
+              <a:rPr lang="en-US"/>
               <a:t>Third level</a:t>
             </a:r>
           </a:p>
           <a:p>
             <a:pPr lvl="3"/>
             <a:r>
-              <a:rPr lang="en-US" smtClean="0"/>
+              <a:rPr lang="en-US"/>
               <a:t>Fourth level</a:t>
             </a:r>
           </a:p>
           <a:p>
             <a:pPr lvl="4"/>
             <a:r>
-              <a:rPr lang="en-US" smtClean="0"/>
+              <a:rPr lang="en-US"/>
               <a:t>Fifth level</a:t>
             </a:r>
-            <a:endParaRPr lang="en-US"/>
           </a:p>
         </p:txBody>
       </p:sp>
@@ -1656,7 +1658,7 @@
           <a:p>
             <a:pPr lvl="0"/>
             <a:r>
-              <a:rPr lang="en-US" smtClean="0"/>
+              <a:rPr lang="en-US"/>
               <a:t>Click to edit Master text styles</a:t>
             </a:r>
           </a:p>
@@ -1712,38 +1714,37 @@
           <a:p>
             <a:pPr lvl="0"/>
             <a:r>
-              <a:rPr lang="en-US" smtClean="0"/>
+              <a:rPr lang="en-US"/>
               <a:t>Click to edit Master text styles</a:t>
             </a:r>
           </a:p>
           <a:p>
             <a:pPr lvl="1"/>
             <a:r>
-              <a:rPr lang="en-US" smtClean="0"/>
+              <a:rPr lang="en-US"/>
               <a:t>Second level</a:t>
             </a:r>
           </a:p>
           <a:p>
             <a:pPr lvl="2"/>
             <a:r>
-              <a:rPr lang="en-US" smtClean="0"/>
+              <a:rPr lang="en-US"/>
               <a:t>Third level</a:t>
             </a:r>
           </a:p>
           <a:p>
             <a:pPr lvl="3"/>
             <a:r>
-              <a:rPr lang="en-US" smtClean="0"/>
+              <a:rPr lang="en-US"/>
               <a:t>Fourth level</a:t>
             </a:r>
           </a:p>
           <a:p>
             <a:pPr lvl="4"/>
             <a:r>
-              <a:rPr lang="en-US" smtClean="0"/>
+              <a:rPr lang="en-US"/>
               <a:t>Fifth level</a:t>
             </a:r>
-            <a:endParaRPr lang="en-US"/>
           </a:p>
         </p:txBody>
       </p:sp>
@@ -1765,7 +1766,7 @@
             <a:fld id="{1D8BD707-D9CF-40AE-B4C6-C98DA3205C09}" type="datetimeFigureOut">
               <a:rPr lang="en-US" smtClean="0"/>
               <a:pPr/>
-              <a:t>10/24/2020</a:t>
+              <a:t>Sat</a:t>
             </a:fld>
             <a:endParaRPr lang="en-US"/>
           </a:p>
@@ -1855,10 +1856,9 @@
           <a:lstStyle/>
           <a:p>
             <a:r>
-              <a:rPr lang="en-US" smtClean="0"/>
+              <a:rPr lang="en-US"/>
               <a:t>Click to edit Master title style</a:t>
             </a:r>
-            <a:endParaRPr lang="en-US"/>
           </a:p>
         </p:txBody>
       </p:sp>
@@ -1880,7 +1880,7 @@
             <a:fld id="{1D8BD707-D9CF-40AE-B4C6-C98DA3205C09}" type="datetimeFigureOut">
               <a:rPr lang="en-US" smtClean="0"/>
               <a:pPr/>
-              <a:t>10/24/2020</a:t>
+              <a:t>Sat</a:t>
             </a:fld>
             <a:endParaRPr lang="en-US"/>
           </a:p>
@@ -1972,7 +1972,7 @@
             <a:fld id="{1D8BD707-D9CF-40AE-B4C6-C98DA3205C09}" type="datetimeFigureOut">
               <a:rPr lang="en-US" smtClean="0"/>
               <a:pPr/>
-              <a:t>10/24/2020</a:t>
+              <a:t>Sat</a:t>
             </a:fld>
             <a:endParaRPr lang="en-US"/>
           </a:p>
@@ -2071,10 +2071,9 @@
           </a:lstStyle>
           <a:p>
             <a:r>
-              <a:rPr lang="en-US" smtClean="0"/>
+              <a:rPr lang="en-US"/>
               <a:t>Click to edit Master title style</a:t>
             </a:r>
-            <a:endParaRPr lang="en-US"/>
           </a:p>
         </p:txBody>
       </p:sp>
@@ -2128,38 +2127,37 @@
           <a:p>
             <a:pPr lvl="0"/>
             <a:r>
-              <a:rPr lang="en-US" smtClean="0"/>
+              <a:rPr lang="en-US"/>
               <a:t>Click to edit Master text styles</a:t>
             </a:r>
           </a:p>
           <a:p>
             <a:pPr lvl="1"/>
             <a:r>
-              <a:rPr lang="en-US" smtClean="0"/>
+              <a:rPr lang="en-US"/>
               <a:t>Second level</a:t>
             </a:r>
           </a:p>
           <a:p>
             <a:pPr lvl="2"/>
             <a:r>
-              <a:rPr lang="en-US" smtClean="0"/>
+              <a:rPr lang="en-US"/>
               <a:t>Third level</a:t>
             </a:r>
           </a:p>
           <a:p>
             <a:pPr lvl="3"/>
             <a:r>
-              <a:rPr lang="en-US" smtClean="0"/>
+              <a:rPr lang="en-US"/>
               <a:t>Fourth level</a:t>
             </a:r>
           </a:p>
           <a:p>
             <a:pPr lvl="4"/>
             <a:r>
-              <a:rPr lang="en-US" smtClean="0"/>
+              <a:rPr lang="en-US"/>
               <a:t>Fifth level</a:t>
             </a:r>
-            <a:endParaRPr lang="en-US"/>
           </a:p>
         </p:txBody>
       </p:sp>
@@ -2222,7 +2220,7 @@
           <a:p>
             <a:pPr lvl="0"/>
             <a:r>
-              <a:rPr lang="en-US" smtClean="0"/>
+              <a:rPr lang="en-US"/>
               <a:t>Click to edit Master text styles</a:t>
             </a:r>
           </a:p>
@@ -2246,7 +2244,7 @@
             <a:fld id="{1D8BD707-D9CF-40AE-B4C6-C98DA3205C09}" type="datetimeFigureOut">
               <a:rPr lang="en-US" smtClean="0"/>
               <a:pPr/>
-              <a:t>10/24/2020</a:t>
+              <a:t>Sat</a:t>
             </a:fld>
             <a:endParaRPr lang="en-US"/>
           </a:p>
@@ -2345,10 +2343,9 @@
           </a:lstStyle>
           <a:p>
             <a:r>
-              <a:rPr lang="en-US" smtClean="0"/>
+              <a:rPr lang="en-US"/>
               <a:t>Click to edit Master title style</a:t>
             </a:r>
-            <a:endParaRPr lang="en-US"/>
           </a:p>
         </p:txBody>
       </p:sp>
@@ -2472,7 +2469,7 @@
           <a:p>
             <a:pPr lvl="0"/>
             <a:r>
-              <a:rPr lang="en-US" smtClean="0"/>
+              <a:rPr lang="en-US"/>
               <a:t>Click to edit Master text styles</a:t>
             </a:r>
           </a:p>
@@ -2496,7 +2493,7 @@
             <a:fld id="{1D8BD707-D9CF-40AE-B4C6-C98DA3205C09}" type="datetimeFigureOut">
               <a:rPr lang="en-US" smtClean="0"/>
               <a:pPr/>
-              <a:t>10/24/2020</a:t>
+              <a:t>Sat</a:t>
             </a:fld>
             <a:endParaRPr lang="en-US"/>
           </a:p>
@@ -2610,10 +2607,9 @@
           <a:lstStyle/>
           <a:p>
             <a:r>
-              <a:rPr lang="en-US" smtClean="0"/>
+              <a:rPr lang="en-US"/>
               <a:t>Click to edit Master title style</a:t>
             </a:r>
-            <a:endParaRPr lang="en-US"/>
           </a:p>
         </p:txBody>
       </p:sp>
@@ -2644,38 +2640,37 @@
           <a:p>
             <a:pPr lvl="0"/>
             <a:r>
-              <a:rPr lang="en-US" smtClean="0"/>
+              <a:rPr lang="en-US"/>
               <a:t>Click to edit Master text styles</a:t>
             </a:r>
           </a:p>
           <a:p>
             <a:pPr lvl="1"/>
             <a:r>
-              <a:rPr lang="en-US" smtClean="0"/>
+              <a:rPr lang="en-US"/>
               <a:t>Second level</a:t>
             </a:r>
           </a:p>
           <a:p>
             <a:pPr lvl="2"/>
             <a:r>
-              <a:rPr lang="en-US" smtClean="0"/>
+              <a:rPr lang="en-US"/>
               <a:t>Third level</a:t>
             </a:r>
           </a:p>
           <a:p>
             <a:pPr lvl="3"/>
             <a:r>
-              <a:rPr lang="en-US" smtClean="0"/>
+              <a:rPr lang="en-US"/>
               <a:t>Fourth level</a:t>
             </a:r>
           </a:p>
           <a:p>
             <a:pPr lvl="4"/>
             <a:r>
-              <a:rPr lang="en-US" smtClean="0"/>
+              <a:rPr lang="en-US"/>
               <a:t>Fifth level</a:t>
             </a:r>
-            <a:endParaRPr lang="en-US"/>
           </a:p>
         </p:txBody>
       </p:sp>
@@ -2715,7 +2710,7 @@
             <a:fld id="{1D8BD707-D9CF-40AE-B4C6-C98DA3205C09}" type="datetimeFigureOut">
               <a:rPr lang="en-US" smtClean="0"/>
               <a:pPr/>
-              <a:t>10/24/2020</a:t>
+              <a:t>Sat</a:t>
             </a:fld>
             <a:endParaRPr lang="en-US"/>
           </a:p>
@@ -3123,7 +3118,7 @@
           <a:lstStyle/>
           <a:p>
             <a:r>
-              <a:rPr lang="en-US" sz="2400" dirty="0" smtClean="0">
+              <a:rPr lang="en-US" sz="2400" dirty="0">
                 <a:solidFill>
                   <a:schemeClr val="bg1"/>
                 </a:solidFill>
@@ -3131,12 +3126,6 @@
               </a:rPr>
               <a:t>Node JS With MongoDB</a:t>
             </a:r>
-            <a:endParaRPr lang="en-US" sz="2400" dirty="0">
-              <a:solidFill>
-                <a:schemeClr val="bg1"/>
-              </a:solidFill>
-              <a:latin typeface="Bahnschrift Condensed" pitchFamily="34" charset="0"/>
-            </a:endParaRPr>
           </a:p>
         </p:txBody>
       </p:sp>
@@ -3191,13 +3180,6 @@
   <p:clrMapOvr>
     <a:masterClrMapping/>
   </p:clrMapOvr>
-  <p:timing>
-    <p:tnLst>
-      <p:par>
-        <p:cTn id="1" dur="indefinite" restart="never" nodeType="tmRoot"/>
-      </p:par>
-    </p:tnLst>
-  </p:timing>
 </p:sld>
 </file>
 
@@ -3255,7 +3237,7 @@
           <a:lstStyle/>
           <a:p>
             <a:r>
-              <a:rPr lang="en-US" sz="2400" dirty="0" smtClean="0">
+              <a:rPr lang="en-US" sz="2400" dirty="0">
                 <a:solidFill>
                   <a:schemeClr val="bg1"/>
                 </a:solidFill>
@@ -3263,12 +3245,6 @@
               </a:rPr>
               <a:t>Node JS With MongoDB</a:t>
             </a:r>
-            <a:endParaRPr lang="en-US" sz="2400" dirty="0">
-              <a:solidFill>
-                <a:schemeClr val="bg1"/>
-              </a:solidFill>
-              <a:latin typeface="Bahnschrift Condensed" pitchFamily="34" charset="0"/>
-            </a:endParaRPr>
           </a:p>
         </p:txBody>
       </p:sp>
@@ -3299,16 +3275,16 @@
               <a:buChar char="•"/>
             </a:pPr>
             <a:r>
-              <a:rPr lang="en-US" dirty="0" err="1" smtClean="0"/>
+              <a:rPr lang="en-US" dirty="0" err="1"/>
               <a:t>deleteMany</a:t>
             </a:r>
             <a:r>
-              <a:rPr lang="en-US" dirty="0" smtClean="0"/>
+              <a:rPr lang="en-US" dirty="0"/>
               <a:t>()  Delete All Data</a:t>
             </a:r>
           </a:p>
           <a:p>
-            <a:endParaRPr lang="en-US" sz="2400" dirty="0" smtClean="0">
+            <a:endParaRPr lang="en-US" sz="2400" dirty="0">
               <a:latin typeface="Bahnschrift Condensed" pitchFamily="34" charset="0"/>
             </a:endParaRPr>
           </a:p>
@@ -3388,13 +3364,6 @@
   <p:clrMapOvr>
     <a:masterClrMapping/>
   </p:clrMapOvr>
-  <p:timing>
-    <p:tnLst>
-      <p:par>
-        <p:cTn id="1" dur="indefinite" restart="never" nodeType="tmRoot"/>
-      </p:par>
-    </p:tnLst>
-  </p:timing>
 </p:sld>
 </file>
 
@@ -3452,7 +3421,7 @@
           <a:lstStyle/>
           <a:p>
             <a:r>
-              <a:rPr lang="en-US" sz="2400" dirty="0" smtClean="0">
+              <a:rPr lang="en-US" sz="2400" dirty="0">
                 <a:solidFill>
                   <a:schemeClr val="bg1"/>
                 </a:solidFill>
@@ -3460,12 +3429,6 @@
               </a:rPr>
               <a:t>Node JS With MongoDB</a:t>
             </a:r>
-            <a:endParaRPr lang="en-US" sz="2400" dirty="0">
-              <a:solidFill>
-                <a:schemeClr val="bg1"/>
-              </a:solidFill>
-              <a:latin typeface="Bahnschrift Condensed" pitchFamily="34" charset="0"/>
-            </a:endParaRPr>
           </a:p>
         </p:txBody>
       </p:sp>
@@ -3492,12 +3455,12 @@
           <a:lstStyle/>
           <a:p>
             <a:r>
-              <a:rPr lang="en-US" sz="2400" dirty="0" smtClean="0">
+              <a:rPr lang="en-US" sz="2400" dirty="0">
                 <a:latin typeface="Bahnschrift Condensed" pitchFamily="34" charset="0"/>
               </a:rPr>
               <a:t>Find Data : </a:t>
             </a:r>
-            <a:endParaRPr lang="en-US" dirty="0" smtClean="0">
+            <a:endParaRPr lang="en-US" dirty="0">
               <a:latin typeface="Bahnschrift Condensed" pitchFamily="34" charset="0"/>
             </a:endParaRPr>
           </a:p>
@@ -3511,11 +3474,11 @@
               <a:t>findOne</a:t>
             </a:r>
             <a:r>
-              <a:rPr lang="en-US" b="1" dirty="0" smtClean="0"/>
+              <a:rPr lang="en-US" b="1" dirty="0"/>
               <a:t>() </a:t>
             </a:r>
             <a:r>
-              <a:rPr lang="en-US" dirty="0" smtClean="0"/>
+              <a:rPr lang="en-US" dirty="0"/>
               <a:t>to select one object </a:t>
             </a:r>
           </a:p>
@@ -3595,13 +3558,6 @@
   <p:clrMapOvr>
     <a:masterClrMapping/>
   </p:clrMapOvr>
-  <p:timing>
-    <p:tnLst>
-      <p:par>
-        <p:cTn id="1" dur="indefinite" restart="never" nodeType="tmRoot"/>
-      </p:par>
-    </p:tnLst>
-  </p:timing>
 </p:sld>
 </file>
 
@@ -3659,7 +3615,7 @@
           <a:lstStyle/>
           <a:p>
             <a:r>
-              <a:rPr lang="en-US" sz="2400" dirty="0" smtClean="0">
+              <a:rPr lang="en-US" sz="2400" dirty="0">
                 <a:solidFill>
                   <a:schemeClr val="bg1"/>
                 </a:solidFill>
@@ -3667,12 +3623,6 @@
               </a:rPr>
               <a:t>Node JS With MongoDB</a:t>
             </a:r>
-            <a:endParaRPr lang="en-US" sz="2400" dirty="0">
-              <a:solidFill>
-                <a:schemeClr val="bg1"/>
-              </a:solidFill>
-              <a:latin typeface="Bahnschrift Condensed" pitchFamily="34" charset="0"/>
-            </a:endParaRPr>
           </a:p>
         </p:txBody>
       </p:sp>
@@ -3699,12 +3649,12 @@
           <a:lstStyle/>
           <a:p>
             <a:r>
-              <a:rPr lang="en-US" sz="2400" dirty="0" smtClean="0">
+              <a:rPr lang="en-US" sz="2400" dirty="0">
                 <a:latin typeface="Bahnschrift Condensed" pitchFamily="34" charset="0"/>
               </a:rPr>
               <a:t>Find Data : </a:t>
             </a:r>
-            <a:endParaRPr lang="en-US" dirty="0" smtClean="0">
+            <a:endParaRPr lang="en-US" dirty="0">
               <a:latin typeface="Bahnschrift Condensed" pitchFamily="34" charset="0"/>
             </a:endParaRPr>
           </a:p>
@@ -3718,11 +3668,11 @@
               <a:t>findOne</a:t>
             </a:r>
             <a:r>
-              <a:rPr lang="en-US" b="1" dirty="0" smtClean="0"/>
+              <a:rPr lang="en-US" b="1" dirty="0"/>
               <a:t>() </a:t>
             </a:r>
             <a:r>
-              <a:rPr lang="en-US" dirty="0" smtClean="0"/>
+              <a:rPr lang="en-US" dirty="0"/>
               <a:t>to select one object </a:t>
             </a:r>
           </a:p>
@@ -3802,13 +3752,6 @@
   <p:clrMapOvr>
     <a:masterClrMapping/>
   </p:clrMapOvr>
-  <p:timing>
-    <p:tnLst>
-      <p:par>
-        <p:cTn id="1" dur="indefinite" restart="never" nodeType="tmRoot"/>
-      </p:par>
-    </p:tnLst>
-  </p:timing>
 </p:sld>
 </file>
 
@@ -3866,7 +3809,7 @@
           <a:lstStyle/>
           <a:p>
             <a:r>
-              <a:rPr lang="en-US" sz="2400" dirty="0" smtClean="0">
+              <a:rPr lang="en-US" sz="2400" dirty="0">
                 <a:solidFill>
                   <a:schemeClr val="bg1"/>
                 </a:solidFill>
@@ -3874,12 +3817,6 @@
               </a:rPr>
               <a:t>Node JS With MongoDB</a:t>
             </a:r>
-            <a:endParaRPr lang="en-US" sz="2400" dirty="0">
-              <a:solidFill>
-                <a:schemeClr val="bg1"/>
-              </a:solidFill>
-              <a:latin typeface="Bahnschrift Condensed" pitchFamily="34" charset="0"/>
-            </a:endParaRPr>
           </a:p>
         </p:txBody>
       </p:sp>
@@ -3906,12 +3843,12 @@
           <a:lstStyle/>
           <a:p>
             <a:r>
-              <a:rPr lang="en-US" sz="2400" dirty="0" smtClean="0">
+              <a:rPr lang="en-US" sz="2400" dirty="0">
                 <a:latin typeface="Bahnschrift Condensed" pitchFamily="34" charset="0"/>
               </a:rPr>
               <a:t>Find Data : </a:t>
             </a:r>
-            <a:endParaRPr lang="en-US" dirty="0" smtClean="0">
+            <a:endParaRPr lang="en-US" dirty="0">
               <a:latin typeface="Bahnschrift Condensed" pitchFamily="34" charset="0"/>
             </a:endParaRPr>
           </a:p>
@@ -3921,11 +3858,11 @@
               <a:buChar char="•"/>
             </a:pPr>
             <a:r>
-              <a:rPr lang="en-US" b="1" dirty="0" smtClean="0"/>
+              <a:rPr lang="en-US" b="1" dirty="0"/>
               <a:t>find () </a:t>
             </a:r>
             <a:r>
-              <a:rPr lang="en-US" dirty="0" smtClean="0"/>
+              <a:rPr lang="en-US" dirty="0"/>
               <a:t>to select one object </a:t>
             </a:r>
           </a:p>
@@ -4005,13 +3942,6 @@
   <p:clrMapOvr>
     <a:masterClrMapping/>
   </p:clrMapOvr>
-  <p:timing>
-    <p:tnLst>
-      <p:par>
-        <p:cTn id="1" dur="indefinite" restart="never" nodeType="tmRoot"/>
-      </p:par>
-    </p:tnLst>
-  </p:timing>
 </p:sld>
 </file>
 
@@ -4069,7 +3999,7 @@
           <a:lstStyle/>
           <a:p>
             <a:r>
-              <a:rPr lang="en-US" sz="2400" dirty="0" smtClean="0">
+              <a:rPr lang="en-US" sz="2400" dirty="0">
                 <a:solidFill>
                   <a:schemeClr val="bg1"/>
                 </a:solidFill>
@@ -4077,12 +4007,6 @@
               </a:rPr>
               <a:t>Node JS With MongoDB</a:t>
             </a:r>
-            <a:endParaRPr lang="en-US" sz="2400" dirty="0">
-              <a:solidFill>
-                <a:schemeClr val="bg1"/>
-              </a:solidFill>
-              <a:latin typeface="Bahnschrift Condensed" pitchFamily="34" charset="0"/>
-            </a:endParaRPr>
           </a:p>
         </p:txBody>
       </p:sp>
@@ -4109,12 +4033,12 @@
           <a:lstStyle/>
           <a:p>
             <a:r>
-              <a:rPr lang="en-US" sz="2400" dirty="0" smtClean="0">
+              <a:rPr lang="en-US" sz="2400" dirty="0">
                 <a:latin typeface="Bahnschrift Condensed" pitchFamily="34" charset="0"/>
               </a:rPr>
               <a:t>Find Data : </a:t>
             </a:r>
-            <a:endParaRPr lang="en-US" dirty="0" smtClean="0">
+            <a:endParaRPr lang="en-US" dirty="0">
               <a:latin typeface="Bahnschrift Condensed" pitchFamily="34" charset="0"/>
             </a:endParaRPr>
           </a:p>
@@ -4124,18 +4048,18 @@
               <a:buChar char="•"/>
             </a:pPr>
             <a:r>
-              <a:rPr lang="en-US" b="1" dirty="0" smtClean="0"/>
+              <a:rPr lang="en-US" b="1" dirty="0"/>
               <a:t>find () </a:t>
             </a:r>
             <a:r>
-              <a:rPr lang="en-US" dirty="0" smtClean="0"/>
+              <a:rPr lang="en-US" dirty="0"/>
               <a:t>with </a:t>
             </a:r>
             <a:r>
-              <a:rPr lang="en-US" dirty="0" err="1" smtClean="0"/>
+              <a:rPr lang="en-US" dirty="0" err="1"/>
               <a:t>projectsection</a:t>
             </a:r>
-            <a:endParaRPr lang="en-US" dirty="0" smtClean="0"/>
+            <a:endParaRPr lang="en-US" dirty="0"/>
           </a:p>
         </p:txBody>
       </p:sp>
@@ -4213,13 +4137,6 @@
   <p:clrMapOvr>
     <a:masterClrMapping/>
   </p:clrMapOvr>
-  <p:timing>
-    <p:tnLst>
-      <p:par>
-        <p:cTn id="1" dur="indefinite" restart="never" nodeType="tmRoot"/>
-      </p:par>
-    </p:tnLst>
-  </p:timing>
 </p:sld>
 </file>
 
@@ -4277,7 +4194,7 @@
           <a:lstStyle/>
           <a:p>
             <a:r>
-              <a:rPr lang="en-US" sz="2400" dirty="0" smtClean="0">
+              <a:rPr lang="en-US" sz="2400" dirty="0">
                 <a:solidFill>
                   <a:schemeClr val="bg1"/>
                 </a:solidFill>
@@ -4285,12 +4202,6 @@
               </a:rPr>
               <a:t>Node JS With MongoDB</a:t>
             </a:r>
-            <a:endParaRPr lang="en-US" sz="2400" dirty="0">
-              <a:solidFill>
-                <a:schemeClr val="bg1"/>
-              </a:solidFill>
-              <a:latin typeface="Bahnschrift Condensed" pitchFamily="34" charset="0"/>
-            </a:endParaRPr>
           </a:p>
         </p:txBody>
       </p:sp>
@@ -4317,12 +4228,12 @@
           <a:lstStyle/>
           <a:p>
             <a:r>
-              <a:rPr lang="en-US" sz="2400" dirty="0" smtClean="0">
+              <a:rPr lang="en-US" sz="2400" dirty="0">
                 <a:latin typeface="Bahnschrift Condensed" pitchFamily="34" charset="0"/>
               </a:rPr>
               <a:t>Find Data : </a:t>
             </a:r>
-            <a:endParaRPr lang="en-US" dirty="0" smtClean="0">
+            <a:endParaRPr lang="en-US" dirty="0">
               <a:latin typeface="Bahnschrift Condensed" pitchFamily="34" charset="0"/>
             </a:endParaRPr>
           </a:p>
@@ -4332,11 +4243,11 @@
               <a:buChar char="•"/>
             </a:pPr>
             <a:r>
-              <a:rPr lang="en-US" b="1" dirty="0" smtClean="0"/>
+              <a:rPr lang="en-US" b="1" dirty="0"/>
               <a:t>find () </a:t>
             </a:r>
             <a:r>
-              <a:rPr lang="en-US" dirty="0" smtClean="0"/>
+              <a:rPr lang="en-US" dirty="0"/>
               <a:t>with query </a:t>
             </a:r>
           </a:p>
@@ -4416,13 +4327,6 @@
   <p:clrMapOvr>
     <a:masterClrMapping/>
   </p:clrMapOvr>
-  <p:timing>
-    <p:tnLst>
-      <p:par>
-        <p:cTn id="1" dur="indefinite" restart="never" nodeType="tmRoot"/>
-      </p:par>
-    </p:tnLst>
-  </p:timing>
 </p:sld>
 </file>
 
@@ -4480,7 +4384,7 @@
           <a:lstStyle/>
           <a:p>
             <a:r>
-              <a:rPr lang="en-US" sz="2400" dirty="0" smtClean="0">
+              <a:rPr lang="en-US" sz="2400" dirty="0">
                 <a:solidFill>
                   <a:schemeClr val="bg1"/>
                 </a:solidFill>
@@ -4488,12 +4392,6 @@
               </a:rPr>
               <a:t>Node JS With MongoDB</a:t>
             </a:r>
-            <a:endParaRPr lang="en-US" sz="2400" dirty="0">
-              <a:solidFill>
-                <a:schemeClr val="bg1"/>
-              </a:solidFill>
-              <a:latin typeface="Bahnschrift Condensed" pitchFamily="34" charset="0"/>
-            </a:endParaRPr>
           </a:p>
         </p:txBody>
       </p:sp>
@@ -4520,12 +4418,12 @@
           <a:lstStyle/>
           <a:p>
             <a:r>
-              <a:rPr lang="en-US" sz="2400" dirty="0" smtClean="0">
+              <a:rPr lang="en-US" sz="2400" dirty="0">
                 <a:latin typeface="Bahnschrift Condensed" pitchFamily="34" charset="0"/>
               </a:rPr>
               <a:t>Find Data : </a:t>
             </a:r>
-            <a:endParaRPr lang="en-US" dirty="0" smtClean="0">
+            <a:endParaRPr lang="en-US" dirty="0">
               <a:latin typeface="Bahnschrift Condensed" pitchFamily="34" charset="0"/>
             </a:endParaRPr>
           </a:p>
@@ -4535,11 +4433,11 @@
               <a:buChar char="•"/>
             </a:pPr>
             <a:r>
-              <a:rPr lang="en-US" b="1" dirty="0" smtClean="0"/>
+              <a:rPr lang="en-US" b="1" dirty="0"/>
               <a:t>find () </a:t>
             </a:r>
             <a:r>
-              <a:rPr lang="en-US" dirty="0" smtClean="0"/>
+              <a:rPr lang="en-US" dirty="0"/>
               <a:t>with limit  </a:t>
             </a:r>
           </a:p>
@@ -4619,13 +4517,6 @@
   <p:clrMapOvr>
     <a:masterClrMapping/>
   </p:clrMapOvr>
-  <p:timing>
-    <p:tnLst>
-      <p:par>
-        <p:cTn id="1" dur="indefinite" restart="never" nodeType="tmRoot"/>
-      </p:par>
-    </p:tnLst>
-  </p:timing>
 </p:sld>
 </file>
 
@@ -4683,7 +4574,7 @@
           <a:lstStyle/>
           <a:p>
             <a:r>
-              <a:rPr lang="en-US" sz="2400" dirty="0" smtClean="0">
+              <a:rPr lang="en-US" sz="2400" dirty="0">
                 <a:solidFill>
                   <a:schemeClr val="bg1"/>
                 </a:solidFill>
@@ -4691,12 +4582,6 @@
               </a:rPr>
               <a:t>Node JS With MongoDB</a:t>
             </a:r>
-            <a:endParaRPr lang="en-US" sz="2400" dirty="0">
-              <a:solidFill>
-                <a:schemeClr val="bg1"/>
-              </a:solidFill>
-              <a:latin typeface="Bahnschrift Condensed" pitchFamily="34" charset="0"/>
-            </a:endParaRPr>
           </a:p>
         </p:txBody>
       </p:sp>
@@ -4723,12 +4608,12 @@
           <a:lstStyle/>
           <a:p>
             <a:r>
-              <a:rPr lang="en-US" sz="2400" dirty="0" smtClean="0">
+              <a:rPr lang="en-US" sz="2400" dirty="0">
                 <a:latin typeface="Bahnschrift Condensed" pitchFamily="34" charset="0"/>
               </a:rPr>
               <a:t>Find Data : </a:t>
             </a:r>
-            <a:endParaRPr lang="en-US" dirty="0" smtClean="0">
+            <a:endParaRPr lang="en-US" dirty="0">
               <a:latin typeface="Bahnschrift Condensed" pitchFamily="34" charset="0"/>
             </a:endParaRPr>
           </a:p>
@@ -4738,11 +4623,11 @@
               <a:buChar char="•"/>
             </a:pPr>
             <a:r>
-              <a:rPr lang="en-US" b="1" dirty="0" smtClean="0"/>
+              <a:rPr lang="en-US" b="1" dirty="0"/>
               <a:t>find () </a:t>
             </a:r>
             <a:r>
-              <a:rPr lang="en-US" dirty="0" smtClean="0"/>
+              <a:rPr lang="en-US" dirty="0"/>
               <a:t>with sort</a:t>
             </a:r>
           </a:p>
@@ -4822,13 +4707,6 @@
   <p:clrMapOvr>
     <a:masterClrMapping/>
   </p:clrMapOvr>
-  <p:timing>
-    <p:tnLst>
-      <p:par>
-        <p:cTn id="1" dur="indefinite" restart="never" nodeType="tmRoot"/>
-      </p:par>
-    </p:tnLst>
-  </p:timing>
 </p:sld>
 </file>
 
@@ -4886,7 +4764,7 @@
           <a:lstStyle/>
           <a:p>
             <a:r>
-              <a:rPr lang="en-US" sz="2400" dirty="0" smtClean="0">
+              <a:rPr lang="en-US" sz="2400" dirty="0">
                 <a:solidFill>
                   <a:schemeClr val="bg1"/>
                 </a:solidFill>
@@ -4894,12 +4772,6 @@
               </a:rPr>
               <a:t>Node JS With MongoDB</a:t>
             </a:r>
-            <a:endParaRPr lang="en-US" sz="2400" dirty="0">
-              <a:solidFill>
-                <a:schemeClr val="bg1"/>
-              </a:solidFill>
-              <a:latin typeface="Bahnschrift Condensed" pitchFamily="34" charset="0"/>
-            </a:endParaRPr>
           </a:p>
         </p:txBody>
       </p:sp>
@@ -4926,12 +4798,12 @@
           <a:lstStyle/>
           <a:p>
             <a:r>
-              <a:rPr lang="en-US" sz="2400" dirty="0" smtClean="0">
+              <a:rPr lang="en-US" sz="2400" dirty="0">
                 <a:latin typeface="Bahnschrift Condensed" pitchFamily="34" charset="0"/>
               </a:rPr>
               <a:t>Update Data : </a:t>
             </a:r>
-            <a:endParaRPr lang="en-US" dirty="0" smtClean="0">
+            <a:endParaRPr lang="en-US" dirty="0">
               <a:latin typeface="Bahnschrift Condensed" pitchFamily="34" charset="0"/>
             </a:endParaRPr>
           </a:p>
@@ -4941,14 +4813,14 @@
               <a:buChar char="•"/>
             </a:pPr>
             <a:r>
-              <a:rPr lang="en-US" b="1" dirty="0" err="1" smtClean="0"/>
+              <a:rPr lang="en-US" b="1" dirty="0" err="1"/>
               <a:t>updateOne</a:t>
             </a:r>
             <a:r>
-              <a:rPr lang="en-US" b="1" dirty="0" smtClean="0"/>
+              <a:rPr lang="en-US" b="1" dirty="0"/>
               <a:t>() </a:t>
             </a:r>
-            <a:endParaRPr lang="en-US" dirty="0" smtClean="0"/>
+            <a:endParaRPr lang="en-US" dirty="0"/>
           </a:p>
         </p:txBody>
       </p:sp>
@@ -5026,13 +4898,6 @@
   <p:clrMapOvr>
     <a:masterClrMapping/>
   </p:clrMapOvr>
-  <p:timing>
-    <p:tnLst>
-      <p:par>
-        <p:cTn id="1" dur="indefinite" restart="never" nodeType="tmRoot"/>
-      </p:par>
-    </p:tnLst>
-  </p:timing>
 </p:sld>
 </file>
 
@@ -5090,7 +4955,7 @@
           <a:lstStyle/>
           <a:p>
             <a:r>
-              <a:rPr lang="en-US" sz="2400" dirty="0" smtClean="0">
+              <a:rPr lang="en-US" sz="2400" dirty="0">
                 <a:solidFill>
                   <a:schemeClr val="bg1"/>
                 </a:solidFill>
@@ -5098,12 +4963,6 @@
               </a:rPr>
               <a:t>Node JS With MongoDB</a:t>
             </a:r>
-            <a:endParaRPr lang="en-US" sz="2400" dirty="0">
-              <a:solidFill>
-                <a:schemeClr val="bg1"/>
-              </a:solidFill>
-              <a:latin typeface="Bahnschrift Condensed" pitchFamily="34" charset="0"/>
-            </a:endParaRPr>
           </a:p>
         </p:txBody>
       </p:sp>
@@ -5130,12 +4989,12 @@
           <a:lstStyle/>
           <a:p>
             <a:r>
-              <a:rPr lang="en-US" sz="2400" dirty="0" smtClean="0">
+              <a:rPr lang="en-US" sz="2400" dirty="0">
                 <a:latin typeface="Bahnschrift Condensed" pitchFamily="34" charset="0"/>
               </a:rPr>
               <a:t>Update Data : </a:t>
             </a:r>
-            <a:endParaRPr lang="en-US" dirty="0" smtClean="0">
+            <a:endParaRPr lang="en-US" dirty="0">
               <a:latin typeface="Bahnschrift Condensed" pitchFamily="34" charset="0"/>
             </a:endParaRPr>
           </a:p>
@@ -5145,10 +5004,10 @@
               <a:buChar char="•"/>
             </a:pPr>
             <a:r>
-              <a:rPr lang="en-US" b="1" dirty="0" smtClean="0"/>
+              <a:rPr lang="en-US" b="1" dirty="0"/>
               <a:t>Create DB</a:t>
             </a:r>
-            <a:endParaRPr lang="en-US" dirty="0" smtClean="0"/>
+            <a:endParaRPr lang="en-US" dirty="0"/>
           </a:p>
         </p:txBody>
       </p:sp>
@@ -5162,13 +5021,6 @@
   <p:clrMapOvr>
     <a:masterClrMapping/>
   </p:clrMapOvr>
-  <p:timing>
-    <p:tnLst>
-      <p:par>
-        <p:cTn id="1" dur="indefinite" restart="never" nodeType="tmRoot"/>
-      </p:par>
-    </p:tnLst>
-  </p:timing>
 </p:sld>
 </file>
 
@@ -5226,7 +5078,7 @@
           <a:lstStyle/>
           <a:p>
             <a:r>
-              <a:rPr lang="en-US" sz="2400" dirty="0" smtClean="0">
+              <a:rPr lang="en-US" sz="2400" dirty="0">
                 <a:solidFill>
                   <a:schemeClr val="bg1"/>
                 </a:solidFill>
@@ -5234,12 +5086,6 @@
               </a:rPr>
               <a:t>Node JS With MongoDB</a:t>
             </a:r>
-            <a:endParaRPr lang="en-US" sz="2400" dirty="0">
-              <a:solidFill>
-                <a:schemeClr val="bg1"/>
-              </a:solidFill>
-              <a:latin typeface="Bahnschrift Condensed" pitchFamily="34" charset="0"/>
-            </a:endParaRPr>
           </a:p>
         </p:txBody>
       </p:sp>
@@ -5270,7 +5116,7 @@
               <a:buChar char="•"/>
             </a:pPr>
             <a:r>
-              <a:rPr lang="en-US" sz="2400" dirty="0" smtClean="0">
+              <a:rPr lang="en-US" sz="2400" dirty="0">
                 <a:latin typeface="Bahnschrift Condensed" pitchFamily="34" charset="0"/>
               </a:rPr>
               <a:t>What us in MongoDB</a:t>
@@ -5282,7 +5128,7 @@
               <a:buChar char="•"/>
             </a:pPr>
             <a:r>
-              <a:rPr lang="en-US" sz="2400" dirty="0" smtClean="0">
+              <a:rPr lang="en-US" sz="2400" dirty="0">
                 <a:latin typeface="Bahnschrift Condensed" pitchFamily="34" charset="0"/>
               </a:rPr>
               <a:t>What is MongoDB &amp; MongoDB Atlas</a:t>
@@ -5617,7 +5463,7 @@
           <a:lstStyle/>
           <a:p>
             <a:r>
-              <a:rPr lang="en-US" sz="2400" dirty="0" smtClean="0">
+              <a:rPr lang="en-US" sz="2400" dirty="0">
                 <a:solidFill>
                   <a:schemeClr val="bg1"/>
                 </a:solidFill>
@@ -5625,12 +5471,6 @@
               </a:rPr>
               <a:t>Node JS With MongoDB</a:t>
             </a:r>
-            <a:endParaRPr lang="en-US" sz="2400" dirty="0">
-              <a:solidFill>
-                <a:schemeClr val="bg1"/>
-              </a:solidFill>
-              <a:latin typeface="Bahnschrift Condensed" pitchFamily="34" charset="0"/>
-            </a:endParaRPr>
           </a:p>
         </p:txBody>
       </p:sp>
@@ -5657,7 +5497,7 @@
           <a:lstStyle/>
           <a:p>
             <a:r>
-              <a:rPr lang="en-US" sz="2400" dirty="0" smtClean="0">
+              <a:rPr lang="en-US" sz="2400" dirty="0">
                 <a:latin typeface="Bahnschrift Condensed" pitchFamily="34" charset="0"/>
               </a:rPr>
               <a:t>Tools For Practice</a:t>
@@ -5669,7 +5509,7 @@
               <a:buChar char="ü"/>
             </a:pPr>
             <a:r>
-              <a:rPr lang="en-US" sz="2000" dirty="0" smtClean="0">
+              <a:rPr lang="en-US" sz="2000" dirty="0">
                 <a:latin typeface="Bahnschrift Condensed" pitchFamily="34" charset="0"/>
               </a:rPr>
               <a:t>MongoDB Compass</a:t>
@@ -5681,7 +5521,7 @@
               <a:buChar char="ü"/>
             </a:pPr>
             <a:r>
-              <a:rPr lang="en-US" sz="2000" dirty="0" smtClean="0">
+              <a:rPr lang="en-US" sz="2000" dirty="0">
                 <a:latin typeface="Bahnschrift Condensed" pitchFamily="34" charset="0"/>
               </a:rPr>
               <a:t>MongoDB Atlas Account</a:t>
@@ -5699,13 +5539,6 @@
   <p:clrMapOvr>
     <a:masterClrMapping/>
   </p:clrMapOvr>
-  <p:timing>
-    <p:tnLst>
-      <p:par>
-        <p:cTn id="1" dur="indefinite" restart="never" nodeType="tmRoot"/>
-      </p:par>
-    </p:tnLst>
-  </p:timing>
 </p:sld>
 </file>
 
@@ -5763,7 +5596,7 @@
           <a:lstStyle/>
           <a:p>
             <a:r>
-              <a:rPr lang="en-US" sz="2400" dirty="0" smtClean="0">
+              <a:rPr lang="en-US" sz="2400" dirty="0">
                 <a:solidFill>
                   <a:schemeClr val="bg1"/>
                 </a:solidFill>
@@ -5771,12 +5604,6 @@
               </a:rPr>
               <a:t>Node JS With MongoDB</a:t>
             </a:r>
-            <a:endParaRPr lang="en-US" sz="2400" dirty="0">
-              <a:solidFill>
-                <a:schemeClr val="bg1"/>
-              </a:solidFill>
-              <a:latin typeface="Bahnschrift Condensed" pitchFamily="34" charset="0"/>
-            </a:endParaRPr>
           </a:p>
         </p:txBody>
       </p:sp>
@@ -5803,19 +5630,19 @@
           <a:lstStyle/>
           <a:p>
             <a:r>
-              <a:rPr lang="en-US" sz="2400" dirty="0" smtClean="0">
+              <a:rPr lang="en-US" sz="2400" dirty="0">
                 <a:latin typeface="Bahnschrift Condensed" pitchFamily="34" charset="0"/>
               </a:rPr>
               <a:t>Create Connection With </a:t>
             </a:r>
             <a:r>
-              <a:rPr lang="en-US" sz="2400" dirty="0" err="1" smtClean="0">
+              <a:rPr lang="en-US" sz="2400" dirty="0" err="1">
                 <a:latin typeface="Bahnschrift Condensed" pitchFamily="34" charset="0"/>
               </a:rPr>
               <a:t>MongoDB</a:t>
             </a:r>
             <a:r>
-              <a:rPr lang="en-US" sz="2400" dirty="0" smtClean="0">
+              <a:rPr lang="en-US" sz="2400" dirty="0">
                 <a:latin typeface="Bahnschrift Condensed" pitchFamily="34" charset="0"/>
               </a:rPr>
               <a:t> Cluster  </a:t>
@@ -5897,13 +5724,6 @@
   <p:clrMapOvr>
     <a:masterClrMapping/>
   </p:clrMapOvr>
-  <p:timing>
-    <p:tnLst>
-      <p:par>
-        <p:cTn id="1" dur="indefinite" restart="never" nodeType="tmRoot"/>
-      </p:par>
-    </p:tnLst>
-  </p:timing>
 </p:sld>
 </file>
 
@@ -5961,7 +5781,7 @@
           <a:lstStyle/>
           <a:p>
             <a:r>
-              <a:rPr lang="en-US" sz="2400" dirty="0" smtClean="0">
+              <a:rPr lang="en-US" sz="2400" dirty="0">
                 <a:solidFill>
                   <a:schemeClr val="bg1"/>
                 </a:solidFill>
@@ -5969,12 +5789,6 @@
               </a:rPr>
               <a:t>Node JS With MongoDB</a:t>
             </a:r>
-            <a:endParaRPr lang="en-US" sz="2400" dirty="0">
-              <a:solidFill>
-                <a:schemeClr val="bg1"/>
-              </a:solidFill>
-              <a:latin typeface="Bahnschrift Condensed" pitchFamily="34" charset="0"/>
-            </a:endParaRPr>
           </a:p>
         </p:txBody>
       </p:sp>
@@ -6001,19 +5815,19 @@
           <a:lstStyle/>
           <a:p>
             <a:r>
-              <a:rPr lang="en-US" sz="2400" dirty="0" smtClean="0">
+              <a:rPr lang="en-US" sz="2400" dirty="0">
                 <a:latin typeface="Bahnschrift Condensed" pitchFamily="34" charset="0"/>
               </a:rPr>
               <a:t>Create Connection With </a:t>
             </a:r>
             <a:r>
-              <a:rPr lang="en-US" sz="2400" dirty="0" err="1" smtClean="0">
+              <a:rPr lang="en-US" sz="2400" dirty="0" err="1">
                 <a:latin typeface="Bahnschrift Condensed" pitchFamily="34" charset="0"/>
               </a:rPr>
               <a:t>MongoDB</a:t>
             </a:r>
             <a:r>
-              <a:rPr lang="en-US" sz="2400" dirty="0" smtClean="0">
+              <a:rPr lang="en-US" sz="2400" dirty="0">
                 <a:latin typeface="Bahnschrift Condensed" pitchFamily="34" charset="0"/>
               </a:rPr>
               <a:t> Cluster  </a:t>
@@ -6226,13 +6040,6 @@
   <p:clrMapOvr>
     <a:masterClrMapping/>
   </p:clrMapOvr>
-  <p:timing>
-    <p:tnLst>
-      <p:par>
-        <p:cTn id="1" dur="indefinite" restart="never" nodeType="tmRoot"/>
-      </p:par>
-    </p:tnLst>
-  </p:timing>
 </p:sld>
 </file>
 
@@ -6290,7 +6097,7 @@
           <a:lstStyle/>
           <a:p>
             <a:r>
-              <a:rPr lang="en-US" sz="2400" dirty="0" smtClean="0">
+              <a:rPr lang="en-US" sz="2400" dirty="0">
                 <a:solidFill>
                   <a:schemeClr val="bg1"/>
                 </a:solidFill>
@@ -6298,12 +6105,6 @@
               </a:rPr>
               <a:t>Node JS With MongoDB</a:t>
             </a:r>
-            <a:endParaRPr lang="en-US" sz="2400" dirty="0">
-              <a:solidFill>
-                <a:schemeClr val="bg1"/>
-              </a:solidFill>
-              <a:latin typeface="Bahnschrift Condensed" pitchFamily="34" charset="0"/>
-            </a:endParaRPr>
           </a:p>
         </p:txBody>
       </p:sp>
@@ -6330,32 +6131,32 @@
           <a:lstStyle/>
           <a:p>
             <a:r>
-              <a:rPr lang="en-US" sz="2400" dirty="0" smtClean="0">
+              <a:rPr lang="en-US" sz="2400" dirty="0">
                 <a:latin typeface="Bahnschrift Condensed" pitchFamily="34" charset="0"/>
               </a:rPr>
               <a:t>Create Connection With </a:t>
             </a:r>
             <a:r>
-              <a:rPr lang="en-US" sz="2400" dirty="0" err="1" smtClean="0">
+              <a:rPr lang="en-US" sz="2400" dirty="0" err="1">
                 <a:latin typeface="Bahnschrift Condensed" pitchFamily="34" charset="0"/>
               </a:rPr>
               <a:t>MongoDB</a:t>
             </a:r>
             <a:r>
-              <a:rPr lang="en-US" sz="2400" dirty="0" smtClean="0">
+              <a:rPr lang="en-US" sz="2400" dirty="0">
                 <a:latin typeface="Bahnschrift Condensed" pitchFamily="34" charset="0"/>
               </a:rPr>
               <a:t> Cluster </a:t>
             </a:r>
             <a:r>
-              <a:rPr lang="en-US" sz="2400" dirty="0" smtClean="0">
+              <a:rPr lang="en-US" sz="2400" dirty="0">
                 <a:latin typeface="Bahnschrift Condensed" pitchFamily="34" charset="0"/>
                 <a:sym typeface="Wingdings" pitchFamily="2" charset="2"/>
               </a:rPr>
               <a:t> Specific Database</a:t>
             </a:r>
             <a:r>
-              <a:rPr lang="en-US" sz="2400" dirty="0" smtClean="0">
+              <a:rPr lang="en-US" sz="2400" dirty="0">
                 <a:latin typeface="Bahnschrift Condensed" pitchFamily="34" charset="0"/>
               </a:rPr>
               <a:t> </a:t>
@@ -6437,13 +6238,6 @@
   <p:clrMapOvr>
     <a:masterClrMapping/>
   </p:clrMapOvr>
-  <p:timing>
-    <p:tnLst>
-      <p:par>
-        <p:cTn id="1" dur="indefinite" restart="never" nodeType="tmRoot"/>
-      </p:par>
-    </p:tnLst>
-  </p:timing>
 </p:sld>
 </file>
 
@@ -6501,7 +6295,7 @@
           <a:lstStyle/>
           <a:p>
             <a:r>
-              <a:rPr lang="en-US" sz="2400" dirty="0" smtClean="0">
+              <a:rPr lang="en-US" sz="2400" dirty="0">
                 <a:solidFill>
                   <a:schemeClr val="bg1"/>
                 </a:solidFill>
@@ -6509,12 +6303,6 @@
               </a:rPr>
               <a:t>Node JS With MongoDB</a:t>
             </a:r>
-            <a:endParaRPr lang="en-US" sz="2400" dirty="0">
-              <a:solidFill>
-                <a:schemeClr val="bg1"/>
-              </a:solidFill>
-              <a:latin typeface="Bahnschrift Condensed" pitchFamily="34" charset="0"/>
-            </a:endParaRPr>
           </a:p>
         </p:txBody>
       </p:sp>
@@ -6541,33 +6329,33 @@
           <a:lstStyle/>
           <a:p>
             <a:r>
-              <a:rPr lang="en-US" sz="2400" dirty="0" smtClean="0">
+              <a:rPr lang="en-US" sz="2400" dirty="0">
                 <a:latin typeface="Bahnschrift Condensed" pitchFamily="34" charset="0"/>
               </a:rPr>
               <a:t>Insert Data </a:t>
             </a:r>
             <a:r>
-              <a:rPr lang="en-US" sz="2400" dirty="0" smtClean="0">
+              <a:rPr lang="en-US" sz="2400" dirty="0">
                 <a:latin typeface="Bahnschrift Condensed" pitchFamily="34" charset="0"/>
                 <a:sym typeface="Wingdings" pitchFamily="2" charset="2"/>
               </a:rPr>
               <a:t> Specific </a:t>
             </a:r>
             <a:r>
-              <a:rPr lang="en-US" sz="2400" dirty="0" err="1" smtClean="0">
+              <a:rPr lang="en-US" sz="2400" dirty="0" err="1">
                 <a:latin typeface="Bahnschrift Condensed" pitchFamily="34" charset="0"/>
                 <a:sym typeface="Wingdings" pitchFamily="2" charset="2"/>
               </a:rPr>
               <a:t>DatabaseSpecific</a:t>
             </a:r>
             <a:r>
-              <a:rPr lang="en-US" sz="2400" dirty="0" smtClean="0">
+              <a:rPr lang="en-US" sz="2400" dirty="0">
                 <a:latin typeface="Bahnschrift Condensed" pitchFamily="34" charset="0"/>
                 <a:sym typeface="Wingdings" pitchFamily="2" charset="2"/>
               </a:rPr>
               <a:t> Collection</a:t>
             </a:r>
-            <a:endParaRPr lang="en-US" sz="2400" dirty="0" smtClean="0">
+            <a:endParaRPr lang="en-US" sz="2400" dirty="0">
               <a:latin typeface="Bahnschrift Condensed" pitchFamily="34" charset="0"/>
             </a:endParaRPr>
           </a:p>
@@ -6647,13 +6435,6 @@
   <p:clrMapOvr>
     <a:masterClrMapping/>
   </p:clrMapOvr>
-  <p:timing>
-    <p:tnLst>
-      <p:par>
-        <p:cTn id="1" dur="indefinite" restart="never" nodeType="tmRoot"/>
-      </p:par>
-    </p:tnLst>
-  </p:timing>
 </p:sld>
 </file>
 
@@ -6711,7 +6492,7 @@
           <a:lstStyle/>
           <a:p>
             <a:r>
-              <a:rPr lang="en-US" sz="2400" dirty="0" smtClean="0">
+              <a:rPr lang="en-US" sz="2400" dirty="0">
                 <a:solidFill>
                   <a:schemeClr val="bg1"/>
                 </a:solidFill>
@@ -6719,12 +6500,6 @@
               </a:rPr>
               <a:t>Node JS With MongoDB</a:t>
             </a:r>
-            <a:endParaRPr lang="en-US" sz="2400" dirty="0">
-              <a:solidFill>
-                <a:schemeClr val="bg1"/>
-              </a:solidFill>
-              <a:latin typeface="Bahnschrift Condensed" pitchFamily="34" charset="0"/>
-            </a:endParaRPr>
           </a:p>
         </p:txBody>
       </p:sp>
@@ -6751,12 +6526,12 @@
           <a:lstStyle/>
           <a:p>
             <a:r>
-              <a:rPr lang="en-US" sz="2400" dirty="0" smtClean="0">
+              <a:rPr lang="en-US" sz="2400" dirty="0">
                 <a:latin typeface="Bahnschrift Condensed" pitchFamily="34" charset="0"/>
               </a:rPr>
               <a:t>Data Delete: </a:t>
             </a:r>
-            <a:endParaRPr lang="en-US" dirty="0" smtClean="0">
+            <a:endParaRPr lang="en-US" dirty="0">
               <a:latin typeface="Bahnschrift Condensed" pitchFamily="34" charset="0"/>
             </a:endParaRPr>
           </a:p>
@@ -6770,7 +6545,7 @@
               <a:t>deleteOne</a:t>
             </a:r>
             <a:r>
-              <a:rPr lang="en-US" dirty="0" smtClean="0"/>
+              <a:rPr lang="en-US" dirty="0"/>
               <a:t>()  method to delete one</a:t>
             </a:r>
           </a:p>
@@ -6784,12 +6559,12 @@
               <a:t>deleteMany</a:t>
             </a:r>
             <a:r>
-              <a:rPr lang="en-US" dirty="0" smtClean="0"/>
+              <a:rPr lang="en-US" dirty="0"/>
               <a:t>() method to delete many </a:t>
             </a:r>
           </a:p>
           <a:p>
-            <a:endParaRPr lang="en-US" sz="2400" dirty="0" smtClean="0">
+            <a:endParaRPr lang="en-US" sz="2400" dirty="0">
               <a:latin typeface="Bahnschrift Condensed" pitchFamily="34" charset="0"/>
             </a:endParaRPr>
           </a:p>
@@ -6805,13 +6580,6 @@
   <p:clrMapOvr>
     <a:masterClrMapping/>
   </p:clrMapOvr>
-  <p:timing>
-    <p:tnLst>
-      <p:par>
-        <p:cTn id="1" dur="indefinite" restart="never" nodeType="tmRoot"/>
-      </p:par>
-    </p:tnLst>
-  </p:timing>
 </p:sld>
 </file>
 
@@ -6869,7 +6637,7 @@
           <a:lstStyle/>
           <a:p>
             <a:r>
-              <a:rPr lang="en-US" sz="2400" dirty="0" smtClean="0">
+              <a:rPr lang="en-US" sz="2400" dirty="0">
                 <a:solidFill>
                   <a:schemeClr val="bg1"/>
                 </a:solidFill>
@@ -6877,12 +6645,6 @@
               </a:rPr>
               <a:t>Node JS With MongoDB</a:t>
             </a:r>
-            <a:endParaRPr lang="en-US" sz="2400" dirty="0">
-              <a:solidFill>
-                <a:schemeClr val="bg1"/>
-              </a:solidFill>
-              <a:latin typeface="Bahnschrift Condensed" pitchFamily="34" charset="0"/>
-            </a:endParaRPr>
           </a:p>
         </p:txBody>
       </p:sp>
@@ -6913,16 +6675,16 @@
               <a:buChar char="•"/>
             </a:pPr>
             <a:r>
-              <a:rPr lang="en-US" dirty="0" err="1" smtClean="0"/>
+              <a:rPr lang="en-US" dirty="0" err="1"/>
               <a:t>deleteOne</a:t>
             </a:r>
             <a:r>
-              <a:rPr lang="en-US" dirty="0" smtClean="0"/>
+              <a:rPr lang="en-US" dirty="0"/>
               <a:t>()  method to delete one</a:t>
             </a:r>
           </a:p>
           <a:p>
-            <a:endParaRPr lang="en-US" sz="2400" dirty="0" smtClean="0">
+            <a:endParaRPr lang="en-US" sz="2400" dirty="0">
               <a:latin typeface="Bahnschrift Condensed" pitchFamily="34" charset="0"/>
             </a:endParaRPr>
           </a:p>
@@ -7002,13 +6764,6 @@
   <p:clrMapOvr>
     <a:masterClrMapping/>
   </p:clrMapOvr>
-  <p:timing>
-    <p:tnLst>
-      <p:par>
-        <p:cTn id="1" dur="indefinite" restart="never" nodeType="tmRoot"/>
-      </p:par>
-    </p:tnLst>
-  </p:timing>
 </p:sld>
 </file>
 
